--- a/Poster Template.pptx
+++ b/Poster Template.pptx
@@ -502,7 +502,7 @@
               <a:pPr>
                 <a:defRPr/>
               </a:pPr>
-              <a:t>12/3/16</a:t>
+              <a:t>12/5/16</a:t>
             </a:fld>
             <a:endParaRPr lang="en-US"/>
           </a:p>
@@ -5038,8 +5038,8 @@
         </p:nvSpPr>
         <p:spPr bwMode="auto">
           <a:xfrm>
-            <a:off x="33053337" y="15381623"/>
-            <a:ext cx="9618663" cy="14955837"/>
+            <a:off x="33053337" y="14766925"/>
+            <a:ext cx="9618663" cy="15631777"/>
           </a:xfrm>
           <a:prstGeom prst="rect">
             <a:avLst/>
@@ -5220,7 +5220,31 @@
               <a:rPr lang="en-US" altLang="en-US" sz="4400" dirty="0" smtClean="0">
                 <a:latin typeface="Times New Roman" charset="0"/>
               </a:rPr>
-              <a:t>“Feelings towards EU immigration” is the main predictor of Brexit. </a:t>
+              <a:t>Negative f</a:t>
+            </a:r>
+            <a:r>
+              <a:rPr lang="en-US" altLang="en-US" sz="4400" dirty="0" smtClean="0">
+                <a:latin typeface="Times New Roman" charset="0"/>
+              </a:rPr>
+              <a:t>eelings </a:t>
+            </a:r>
+            <a:r>
+              <a:rPr lang="en-US" altLang="en-US" sz="4400" dirty="0" smtClean="0">
+                <a:latin typeface="Times New Roman" charset="0"/>
+              </a:rPr>
+              <a:t>towards </a:t>
+            </a:r>
+            <a:r>
+              <a:rPr lang="en-US" altLang="en-US" sz="4400" dirty="0" smtClean="0">
+                <a:latin typeface="Times New Roman" charset="0"/>
+              </a:rPr>
+              <a:t>intra-EU immigration are </a:t>
+            </a:r>
+            <a:r>
+              <a:rPr lang="en-US" altLang="en-US" sz="4400" dirty="0" smtClean="0">
+                <a:latin typeface="Times New Roman" charset="0"/>
+              </a:rPr>
+              <a:t>the main predictor of Brexit. </a:t>
             </a:r>
           </a:p>
           <a:p>
@@ -5831,7 +5855,7 @@
         </p:nvSpPr>
         <p:spPr bwMode="auto">
           <a:xfrm>
-            <a:off x="1084040" y="15373822"/>
+            <a:off x="1150938" y="14792418"/>
             <a:ext cx="9618662" cy="14963638"/>
           </a:xfrm>
           <a:prstGeom prst="rect">
@@ -6078,31 +6102,7 @@
                 <a:ea typeface="Times New Roman" charset="0"/>
                 <a:cs typeface="Times New Roman" charset="0"/>
               </a:rPr>
-              <a:t>Financial situation of the household (Very good, Rather good, Rather bad, Very bad); Globalization is an opportunity (SA, A, D, SD); gender (1 male and 0 female); age; education </a:t>
-            </a:r>
-            <a:r>
-              <a:rPr lang="en-US" sz="4400" dirty="0" smtClean="0">
-                <a:latin typeface="Times New Roman" charset="0"/>
-                <a:ea typeface="Times New Roman" charset="0"/>
-                <a:cs typeface="Times New Roman" charset="0"/>
-              </a:rPr>
-              <a:t>years; left </a:t>
-            </a:r>
-            <a:r>
-              <a:rPr lang="en-US" sz="4400" dirty="0" smtClean="0">
-                <a:latin typeface="Times New Roman" charset="0"/>
-                <a:ea typeface="Times New Roman" charset="0"/>
-                <a:cs typeface="Times New Roman" charset="0"/>
-              </a:rPr>
-              <a:t>to right scale ( 0 – extreme left to 10 – extreme right); and </a:t>
-            </a:r>
-            <a:r>
-              <a:rPr lang="en-US" sz="4400" dirty="0" smtClean="0">
-                <a:latin typeface="Times New Roman" charset="0"/>
-                <a:ea typeface="Times New Roman" charset="0"/>
-                <a:cs typeface="Times New Roman" charset="0"/>
-              </a:rPr>
-              <a:t>Occupation scale.</a:t>
+              <a:t>Financial situation of the household (Very good, Rather good, Rather bad, Very bad); Globalization is an opportunity (SA, A, D, SD); gender (1 male and 0 female); age; education years; left to right scale ( 0 – extreme left to 10 – extreme right); and Occupation scale.</a:t>
             </a:r>
             <a:endParaRPr lang="en-US" sz="4400" dirty="0">
               <a:latin typeface="Times New Roman" charset="0"/>
@@ -6112,36 +6112,6 @@
           </a:p>
         </p:txBody>
       </p:sp>
-      <p:pic>
-        <p:nvPicPr>
-          <p:cNvPr id="3" name="Picture 2"/>
-          <p:cNvPicPr>
-            <a:picLocks noChangeAspect="1"/>
-          </p:cNvPicPr>
-          <p:nvPr/>
-        </p:nvPicPr>
-        <p:blipFill>
-          <a:blip r:embed="rId5">
-            <a:extLst>
-              <a:ext uri="{28A0092B-C50C-407E-A947-70E740481C1C}">
-                <a14:useLocalDpi xmlns:a14="http://schemas.microsoft.com/office/drawing/2010/main" val="0"/>
-              </a:ext>
-            </a:extLst>
-          </a:blip>
-          <a:stretch>
-            <a:fillRect/>
-          </a:stretch>
-        </p:blipFill>
-        <p:spPr>
-          <a:xfrm>
-            <a:off x="14925344" y="22288718"/>
-            <a:ext cx="14881556" cy="10629682"/>
-          </a:xfrm>
-          <a:prstGeom prst="rect">
-            <a:avLst/>
-          </a:prstGeom>
-        </p:spPr>
-      </p:pic>
       <mc:AlternateContent xmlns:mc="http://schemas.openxmlformats.org/markup-compatibility/2006">
         <mc:Choice xmlns:a14="http://schemas.microsoft.com/office/drawing/2010/main" Requires="a14">
           <p:sp>
@@ -6155,7 +6125,7 @@
             <p:spPr bwMode="auto">
               <a:xfrm>
                 <a:off x="11853640" y="5292725"/>
-                <a:ext cx="20048760" cy="6035675"/>
+                <a:ext cx="20455160" cy="3698875"/>
               </a:xfrm>
               <a:prstGeom prst="rect">
                 <a:avLst/>
@@ -6364,7 +6334,7 @@
                           <m:sty m:val="p"/>
                         </m:rPr>
                         <a:rPr lang="en-US" sz="4400">
-                          <a:latin typeface="Times New Roman" charset="0"/>
+                          <a:latin typeface="Cambria Math" charset="0"/>
                           <a:ea typeface="Times New Roman" charset="0"/>
                           <a:cs typeface="Times New Roman" charset="0"/>
                         </a:rPr>
@@ -6372,7 +6342,7 @@
                       </m:r>
                       <m:r>
                         <a:rPr lang="en-US" sz="4400" i="1">
-                          <a:latin typeface="Times New Roman" charset="0"/>
+                          <a:latin typeface="Cambria Math" charset="0"/>
                           <a:ea typeface="Times New Roman" charset="0"/>
                           <a:cs typeface="Times New Roman" charset="0"/>
                         </a:rPr>
@@ -6382,7 +6352,7 @@
                         <m:sSubPr>
                           <m:ctrlPr>
                             <a:rPr lang="en-US" sz="4400" i="1">
-                              <a:latin typeface="Times New Roman" charset="0"/>
+                              <a:latin typeface="Cambria Math" charset="0"/>
                               <a:ea typeface="Times New Roman" charset="0"/>
                               <a:cs typeface="Times New Roman" charset="0"/>
                             </a:rPr>
@@ -6391,7 +6361,7 @@
                         <m:e>
                           <m:r>
                             <a:rPr lang="en-US" sz="4400" i="1">
-                              <a:latin typeface="Times New Roman" charset="0"/>
+                              <a:latin typeface="Cambria Math" charset="0"/>
                               <a:ea typeface="Times New Roman" charset="0"/>
                               <a:cs typeface="Times New Roman" charset="0"/>
                             </a:rPr>
@@ -6401,7 +6371,7 @@
                         <m:sub>
                           <m:r>
                             <a:rPr lang="en-US" sz="4400" i="1">
-                              <a:latin typeface="Times New Roman" charset="0"/>
+                              <a:latin typeface="Cambria Math" charset="0"/>
                               <a:ea typeface="Times New Roman" charset="0"/>
                               <a:cs typeface="Times New Roman" charset="0"/>
                             </a:rPr>
@@ -6411,7 +6381,7 @@
                       </m:sSub>
                       <m:r>
                         <a:rPr lang="en-US" sz="4400" i="1">
-                          <a:latin typeface="Times New Roman" charset="0"/>
+                          <a:latin typeface="Cambria Math" charset="0"/>
                           <a:ea typeface="Times New Roman" charset="0"/>
                           <a:cs typeface="Times New Roman" charset="0"/>
                         </a:rPr>
@@ -6419,7 +6389,7 @@
                       </m:r>
                       <m:r>
                         <a:rPr lang="en-US" sz="4400" i="1">
-                          <a:latin typeface="Times New Roman" charset="0"/>
+                          <a:latin typeface="Cambria Math" charset="0"/>
                           <a:ea typeface="Times New Roman" charset="0"/>
                           <a:cs typeface="Times New Roman" charset="0"/>
                         </a:rPr>
@@ -6427,7 +6397,7 @@
                       </m:r>
                       <m:r>
                         <a:rPr lang="en-US" sz="4400" i="1">
-                          <a:latin typeface="Times New Roman" charset="0"/>
+                          <a:latin typeface="Cambria Math" charset="0"/>
                           <a:ea typeface="Times New Roman" charset="0"/>
                           <a:cs typeface="Times New Roman" charset="0"/>
                         </a:rPr>
@@ -6437,7 +6407,7 @@
                         <m:sSubPr>
                           <m:ctrlPr>
                             <a:rPr lang="en-US" sz="4400" i="1">
-                              <a:latin typeface="Times New Roman" charset="0"/>
+                              <a:latin typeface="Cambria Math" charset="0"/>
                               <a:ea typeface="Times New Roman" charset="0"/>
                               <a:cs typeface="Times New Roman" charset="0"/>
                             </a:rPr>
@@ -6446,7 +6416,7 @@
                         <m:e>
                           <m:r>
                             <a:rPr lang="en-US" sz="4400" i="1">
-                              <a:latin typeface="Times New Roman" charset="0"/>
+                              <a:latin typeface="Cambria Math" charset="0"/>
                               <a:ea typeface="Times New Roman" charset="0"/>
                               <a:cs typeface="Times New Roman" charset="0"/>
                             </a:rPr>
@@ -6456,7 +6426,7 @@
                         <m:sub>
                           <m:r>
                             <a:rPr lang="en-US" sz="4400" i="1">
-                              <a:latin typeface="Times New Roman" charset="0"/>
+                              <a:latin typeface="Cambria Math" charset="0"/>
                               <a:ea typeface="Times New Roman" charset="0"/>
                               <a:cs typeface="Times New Roman" charset="0"/>
                             </a:rPr>
@@ -6466,7 +6436,7 @@
                       </m:sSub>
                       <m:r>
                         <a:rPr lang="en-US" sz="4400" i="1">
-                          <a:latin typeface="Times New Roman" charset="0"/>
+                          <a:latin typeface="Cambria Math" charset="0"/>
                           <a:ea typeface="Times New Roman" charset="0"/>
                           <a:cs typeface="Times New Roman" charset="0"/>
                         </a:rPr>
@@ -6477,7 +6447,7 @@
                           <m:limLoc m:val="subSup"/>
                           <m:ctrlPr>
                             <a:rPr lang="en-US" sz="4400" i="1">
-                              <a:latin typeface="Times New Roman" charset="0"/>
+                              <a:latin typeface="Cambria Math" charset="0"/>
                               <a:ea typeface="Times New Roman" charset="0"/>
                               <a:cs typeface="Times New Roman" charset="0"/>
                             </a:rPr>
@@ -6488,7 +6458,7 @@
                             <m:sSubPr>
                               <m:ctrlPr>
                                 <a:rPr lang="en-US" sz="4400" i="1">
-                                  <a:latin typeface="Times New Roman" charset="0"/>
+                                  <a:latin typeface="Cambria Math" charset="0"/>
                                   <a:ea typeface="Times New Roman" charset="0"/>
                                   <a:cs typeface="Times New Roman" charset="0"/>
                                 </a:rPr>
@@ -6497,7 +6467,7 @@
                             <m:e>
                               <m:r>
                                 <a:rPr lang="en-US" sz="4400" i="1">
-                                  <a:latin typeface="Times New Roman" charset="0"/>
+                                  <a:latin typeface="Cambria Math" charset="0"/>
                                   <a:ea typeface="Times New Roman" charset="0"/>
                                   <a:cs typeface="Times New Roman" charset="0"/>
                                 </a:rPr>
@@ -6507,7 +6477,7 @@
                             <m:sub>
                               <m:r>
                                 <a:rPr lang="en-US" sz="4400" i="1">
-                                  <a:latin typeface="Times New Roman" charset="0"/>
+                                  <a:latin typeface="Cambria Math" charset="0"/>
                                   <a:ea typeface="Times New Roman" charset="0"/>
                                   <a:cs typeface="Times New Roman" charset="0"/>
                                 </a:rPr>
@@ -6515,7 +6485,7 @@
                               </m:r>
                               <m:r>
                                 <a:rPr lang="en-US" sz="4400" i="1">
-                                  <a:latin typeface="Times New Roman" charset="0"/>
+                                  <a:latin typeface="Cambria Math" charset="0"/>
                                   <a:ea typeface="Times New Roman" charset="0"/>
                                   <a:cs typeface="Times New Roman" charset="0"/>
                                 </a:rPr>
@@ -6529,7 +6499,7 @@
                             <m:sSubPr>
                               <m:ctrlPr>
                                 <a:rPr lang="en-US" sz="4400" i="1">
-                                  <a:latin typeface="Times New Roman" charset="0"/>
+                                  <a:latin typeface="Cambria Math" charset="0"/>
                                   <a:ea typeface="Times New Roman" charset="0"/>
                                   <a:cs typeface="Times New Roman" charset="0"/>
                                 </a:rPr>
@@ -6538,7 +6508,7 @@
                             <m:e>
                               <m:r>
                                 <a:rPr lang="en-US" sz="4400" i="1">
-                                  <a:latin typeface="Times New Roman" charset="0"/>
+                                  <a:latin typeface="Cambria Math" charset="0"/>
                                   <a:ea typeface="Times New Roman" charset="0"/>
                                   <a:cs typeface="Times New Roman" charset="0"/>
                                 </a:rPr>
@@ -6548,7 +6518,7 @@
                             <m:sub>
                               <m:r>
                                 <a:rPr lang="en-US" sz="4400" i="1">
-                                  <a:latin typeface="Times New Roman" charset="0"/>
+                                  <a:latin typeface="Cambria Math" charset="0"/>
                                   <a:ea typeface="Times New Roman" charset="0"/>
                                   <a:cs typeface="Times New Roman" charset="0"/>
                                 </a:rPr>
@@ -6560,7 +6530,7 @@
                         <m:e>
                           <m:r>
                             <a:rPr lang="en-US" sz="4400" i="1">
-                              <a:latin typeface="Times New Roman" charset="0"/>
+                              <a:latin typeface="Cambria Math" charset="0"/>
                               <a:ea typeface="Times New Roman" charset="0"/>
                               <a:cs typeface="Times New Roman" charset="0"/>
                             </a:rPr>
@@ -6568,7 +6538,7 @@
                           </m:r>
                           <m:r>
                             <a:rPr lang="en-US" sz="4400" i="1">
-                              <a:latin typeface="Times New Roman" charset="0"/>
+                              <a:latin typeface="Cambria Math" charset="0"/>
                               <a:ea typeface="Times New Roman" charset="0"/>
                               <a:cs typeface="Times New Roman" charset="0"/>
                             </a:rPr>
@@ -6578,7 +6548,7 @@
                             <m:dPr>
                               <m:ctrlPr>
                                 <a:rPr lang="en-US" sz="4400" i="1">
-                                  <a:latin typeface="Times New Roman" charset="0"/>
+                                  <a:latin typeface="Cambria Math" charset="0"/>
                                   <a:ea typeface="Times New Roman" charset="0"/>
                                   <a:cs typeface="Times New Roman" charset="0"/>
                                 </a:rPr>
@@ -6589,7 +6559,7 @@
                                 <m:sSubPr>
                                   <m:ctrlPr>
                                     <a:rPr lang="en-US" sz="4400" i="1">
-                                      <a:latin typeface="Times New Roman" charset="0"/>
+                                      <a:latin typeface="Cambria Math" charset="0"/>
                                       <a:ea typeface="Times New Roman" charset="0"/>
                                       <a:cs typeface="Times New Roman" charset="0"/>
                                     </a:rPr>
@@ -6598,7 +6568,7 @@
                                 <m:e>
                                   <m:r>
                                     <a:rPr lang="en-US" sz="4400" i="1">
-                                      <a:latin typeface="Times New Roman" charset="0"/>
+                                      <a:latin typeface="Cambria Math" charset="0"/>
                                       <a:ea typeface="Times New Roman" charset="0"/>
                                       <a:cs typeface="Times New Roman" charset="0"/>
                                     </a:rPr>
@@ -6608,7 +6578,7 @@
                                 <m:sub>
                                   <m:r>
                                     <a:rPr lang="en-US" sz="4400" i="1">
-                                      <a:latin typeface="Times New Roman" charset="0"/>
+                                      <a:latin typeface="Cambria Math" charset="0"/>
                                       <a:ea typeface="Times New Roman" charset="0"/>
                                       <a:cs typeface="Times New Roman" charset="0"/>
                                     </a:rPr>
@@ -6618,7 +6588,7 @@
                               </m:sSub>
                               <m:r>
                                 <a:rPr lang="en-US" sz="4400" i="1">
-                                  <a:latin typeface="Times New Roman" charset="0"/>
+                                  <a:latin typeface="Cambria Math" charset="0"/>
                                   <a:ea typeface="Times New Roman" charset="0"/>
                                   <a:cs typeface="Times New Roman" charset="0"/>
                                 </a:rPr>
@@ -6626,7 +6596,7 @@
                               </m:r>
                               <m:r>
                                 <a:rPr lang="en-US" sz="4400" i="1">
-                                  <a:latin typeface="Times New Roman" charset="0"/>
+                                  <a:latin typeface="Cambria Math" charset="0"/>
                                   <a:ea typeface="Times New Roman" charset="0"/>
                                   <a:cs typeface="Times New Roman" charset="0"/>
                                 </a:rPr>
@@ -6636,7 +6606,7 @@
                           </m:d>
                           <m:r>
                             <a:rPr lang="en-US" sz="4400" i="1">
-                              <a:latin typeface="Times New Roman" charset="0"/>
+                              <a:latin typeface="Cambria Math" charset="0"/>
                               <a:ea typeface="Times New Roman" charset="0"/>
                               <a:cs typeface="Times New Roman" charset="0"/>
                             </a:rPr>
@@ -6646,7 +6616,7 @@
                             <m:sSubPr>
                               <m:ctrlPr>
                                 <a:rPr lang="en-US" sz="4400" i="1">
-                                  <a:latin typeface="Times New Roman" charset="0"/>
+                                  <a:latin typeface="Cambria Math" charset="0"/>
                                   <a:ea typeface="Times New Roman" charset="0"/>
                                   <a:cs typeface="Times New Roman" charset="0"/>
                                 </a:rPr>
@@ -6655,7 +6625,7 @@
                             <m:e>
                               <m:r>
                                 <a:rPr lang="en-US" sz="4400" i="1">
-                                  <a:latin typeface="Times New Roman" charset="0"/>
+                                  <a:latin typeface="Cambria Math" charset="0"/>
                                   <a:ea typeface="Times New Roman" charset="0"/>
                                   <a:cs typeface="Times New Roman" charset="0"/>
                                 </a:rPr>
@@ -6665,7 +6635,7 @@
                             <m:sub>
                               <m:r>
                                 <a:rPr lang="en-US" sz="4400" i="1">
-                                  <a:latin typeface="Times New Roman" charset="0"/>
+                                  <a:latin typeface="Cambria Math" charset="0"/>
                                   <a:ea typeface="Times New Roman" charset="0"/>
                                   <a:cs typeface="Times New Roman" charset="0"/>
                                 </a:rPr>
@@ -6675,7 +6645,7 @@
                           </m:sSub>
                           <m:r>
                             <a:rPr lang="en-US" sz="4400" i="1">
-                              <a:latin typeface="Times New Roman" charset="0"/>
+                              <a:latin typeface="Cambria Math" charset="0"/>
                               <a:ea typeface="Times New Roman" charset="0"/>
                               <a:cs typeface="Times New Roman" charset="0"/>
                             </a:rPr>
@@ -6691,304 +6661,6 @@
                   <a:ea typeface="Times New Roman" charset="0"/>
                   <a:cs typeface="Times New Roman" charset="0"/>
                 </a:endParaRPr>
-              </a:p>
-              <a:p>
-                <a:pPr>
-                  <a:buNone/>
-                </a:pPr>
-                <a:r>
-                  <a:rPr lang="en-US" sz="4400" dirty="0">
-                    <a:latin typeface="Times New Roman" charset="0"/>
-                    <a:ea typeface="Times New Roman" charset="0"/>
-                    <a:cs typeface="Times New Roman" charset="0"/>
-                  </a:rPr>
-                  <a:t>Where </a:t>
-                </a:r>
-                <a14:m>
-                  <m:oMath xmlns:m="http://schemas.openxmlformats.org/officeDocument/2006/math">
-                    <m:r>
-                      <a:rPr lang="en-US" sz="4400" i="1">
-                        <a:latin typeface="Times New Roman" charset="0"/>
-                        <a:ea typeface="Times New Roman" charset="0"/>
-                        <a:cs typeface="Times New Roman" charset="0"/>
-                      </a:rPr>
-                      <m:t>𝑦</m:t>
-                    </m:r>
-                  </m:oMath>
-                </a14:m>
-                <a:r>
-                  <a:rPr lang="en-US" sz="4400" dirty="0">
-                    <a:latin typeface="Times New Roman" charset="0"/>
-                    <a:ea typeface="Times New Roman" charset="0"/>
-                    <a:cs typeface="Times New Roman" charset="0"/>
-                  </a:rPr>
-                  <a:t> is our ordered dependent variable, </a:t>
-                </a:r>
-                <a14:m>
-                  <m:oMath xmlns:m="http://schemas.openxmlformats.org/officeDocument/2006/math">
-                    <m:r>
-                      <a:rPr lang="en-US" sz="4400" i="1">
-                        <a:latin typeface="Times New Roman" charset="0"/>
-                        <a:ea typeface="Times New Roman" charset="0"/>
-                        <a:cs typeface="Times New Roman" charset="0"/>
-                      </a:rPr>
-                      <m:t>𝑖</m:t>
-                    </m:r>
-                    <m:r>
-                      <a:rPr lang="en-US" sz="4400" i="1">
-                        <a:latin typeface="Times New Roman" charset="0"/>
-                        <a:ea typeface="Times New Roman" charset="0"/>
-                        <a:cs typeface="Times New Roman" charset="0"/>
-                      </a:rPr>
-                      <m:t> </m:t>
-                    </m:r>
-                  </m:oMath>
-                </a14:m>
-                <a:r>
-                  <a:rPr lang="en-US" sz="4400" dirty="0">
-                    <a:latin typeface="Times New Roman" charset="0"/>
-                    <a:ea typeface="Times New Roman" charset="0"/>
-                    <a:cs typeface="Times New Roman" charset="0"/>
-                  </a:rPr>
-                  <a:t>indexes cases, </a:t>
-                </a:r>
-                <a14:m>
-                  <m:oMath xmlns:m="http://schemas.openxmlformats.org/officeDocument/2006/math">
-                    <m:r>
-                      <a:rPr lang="en-US" sz="4400" i="1">
-                        <a:latin typeface="Times New Roman" charset="0"/>
-                        <a:ea typeface="Times New Roman" charset="0"/>
-                        <a:cs typeface="Times New Roman" charset="0"/>
-                      </a:rPr>
-                      <m:t>𝑗</m:t>
-                    </m:r>
-                  </m:oMath>
-                </a14:m>
-                <a:r>
-                  <a:rPr lang="en-US" sz="4400" dirty="0">
-                    <a:latin typeface="Times New Roman" charset="0"/>
-                    <a:ea typeface="Times New Roman" charset="0"/>
-                    <a:cs typeface="Times New Roman" charset="0"/>
-                  </a:rPr>
-                  <a:t> indexes categories of the response, </a:t>
-                </a:r>
-                <a:r>
-                  <a:rPr lang="en-US" sz="4400" dirty="0" err="1">
-                    <a:latin typeface="Times New Roman" charset="0"/>
-                    <a:ea typeface="Times New Roman" charset="0"/>
-                    <a:cs typeface="Times New Roman" charset="0"/>
-                  </a:rPr>
-                  <a:t>τ</a:t>
-                </a:r>
-                <a:r>
-                  <a:rPr lang="en-US" sz="4400" dirty="0">
-                    <a:latin typeface="Times New Roman" charset="0"/>
-                    <a:ea typeface="Times New Roman" charset="0"/>
-                    <a:cs typeface="Times New Roman" charset="0"/>
-                  </a:rPr>
-                  <a:t> is a </a:t>
-                </a:r>
-                <a14:m>
-                  <m:oMath xmlns:m="http://schemas.openxmlformats.org/officeDocument/2006/math">
-                    <m:r>
-                      <a:rPr lang="en-US" sz="4400" i="1">
-                        <a:latin typeface="Times New Roman" charset="0"/>
-                        <a:ea typeface="Times New Roman" charset="0"/>
-                        <a:cs typeface="Times New Roman" charset="0"/>
-                      </a:rPr>
-                      <m:t>𝑗</m:t>
-                    </m:r>
-                  </m:oMath>
-                </a14:m>
-                <a:r>
-                  <a:rPr lang="en-US" sz="4400" dirty="0">
-                    <a:latin typeface="Times New Roman" charset="0"/>
-                    <a:ea typeface="Times New Roman" charset="0"/>
-                    <a:cs typeface="Times New Roman" charset="0"/>
-                  </a:rPr>
-                  <a:t> + 1 vector of </a:t>
-                </a:r>
-                <a:r>
-                  <a:rPr lang="en-US" sz="4400" dirty="0" err="1">
-                    <a:latin typeface="Times New Roman" charset="0"/>
-                    <a:ea typeface="Times New Roman" charset="0"/>
-                    <a:cs typeface="Times New Roman" charset="0"/>
-                  </a:rPr>
-                  <a:t>cutpoints</a:t>
-                </a:r>
-                <a:r>
-                  <a:rPr lang="en-US" sz="4400" dirty="0">
-                    <a:latin typeface="Times New Roman" charset="0"/>
-                    <a:ea typeface="Times New Roman" charset="0"/>
-                    <a:cs typeface="Times New Roman" charset="0"/>
-                  </a:rPr>
-                  <a:t> with </a:t>
-                </a:r>
-                <a14:m>
-                  <m:oMath xmlns:m="http://schemas.openxmlformats.org/officeDocument/2006/math">
-                    <m:sSub>
-                      <m:sSubPr>
-                        <m:ctrlPr>
-                          <a:rPr lang="en-US" sz="4400" i="1">
-                            <a:latin typeface="Times New Roman" charset="0"/>
-                            <a:ea typeface="Times New Roman" charset="0"/>
-                            <a:cs typeface="Times New Roman" charset="0"/>
-                          </a:rPr>
-                        </m:ctrlPr>
-                      </m:sSubPr>
-                      <m:e>
-                        <m:r>
-                          <a:rPr lang="en-US" sz="4400" i="1">
-                            <a:latin typeface="Times New Roman" charset="0"/>
-                            <a:ea typeface="Times New Roman" charset="0"/>
-                            <a:cs typeface="Times New Roman" charset="0"/>
-                          </a:rPr>
-                          <m:t>𝜏</m:t>
-                        </m:r>
-                      </m:e>
-                      <m:sub>
-                        <m:r>
-                          <a:rPr lang="en-US" sz="4400" i="1">
-                            <a:latin typeface="Times New Roman" charset="0"/>
-                            <a:ea typeface="Times New Roman" charset="0"/>
-                            <a:cs typeface="Times New Roman" charset="0"/>
-                          </a:rPr>
-                          <m:t>0</m:t>
-                        </m:r>
-                      </m:sub>
-                    </m:sSub>
-                  </m:oMath>
-                </a14:m>
-                <a:r>
-                  <a:rPr lang="en-US" sz="4400" dirty="0">
-                    <a:latin typeface="Times New Roman" charset="0"/>
-                    <a:ea typeface="Times New Roman" charset="0"/>
-                    <a:cs typeface="Times New Roman" charset="0"/>
-                  </a:rPr>
-                  <a:t> = −∞, </a:t>
-                </a:r>
-                <a14:m>
-                  <m:oMath xmlns:m="http://schemas.openxmlformats.org/officeDocument/2006/math">
-                    <m:sSub>
-                      <m:sSubPr>
-                        <m:ctrlPr>
-                          <a:rPr lang="en-US" sz="4400" i="1">
-                            <a:latin typeface="Times New Roman" charset="0"/>
-                            <a:ea typeface="Times New Roman" charset="0"/>
-                            <a:cs typeface="Times New Roman" charset="0"/>
-                          </a:rPr>
-                        </m:ctrlPr>
-                      </m:sSubPr>
-                      <m:e>
-                        <m:r>
-                          <a:rPr lang="en-US" sz="4400" i="1">
-                            <a:latin typeface="Times New Roman" charset="0"/>
-                            <a:ea typeface="Times New Roman" charset="0"/>
-                            <a:cs typeface="Times New Roman" charset="0"/>
-                          </a:rPr>
-                          <m:t>𝜏</m:t>
-                        </m:r>
-                      </m:e>
-                      <m:sub>
-                        <m:r>
-                          <a:rPr lang="en-US" sz="4400" i="1">
-                            <a:latin typeface="Times New Roman" charset="0"/>
-                            <a:ea typeface="Times New Roman" charset="0"/>
-                            <a:cs typeface="Times New Roman" charset="0"/>
-                          </a:rPr>
-                          <m:t>1</m:t>
-                        </m:r>
-                      </m:sub>
-                    </m:sSub>
-                  </m:oMath>
-                </a14:m>
-                <a:r>
-                  <a:rPr lang="en-US" sz="4400" dirty="0">
-                    <a:latin typeface="Times New Roman" charset="0"/>
-                    <a:ea typeface="Times New Roman" charset="0"/>
-                    <a:cs typeface="Times New Roman" charset="0"/>
-                  </a:rPr>
-                  <a:t> = 0, and </a:t>
-                </a:r>
-                <a14:m>
-                  <m:oMath xmlns:m="http://schemas.openxmlformats.org/officeDocument/2006/math">
-                    <m:sSub>
-                      <m:sSubPr>
-                        <m:ctrlPr>
-                          <a:rPr lang="en-US" sz="4400" i="1">
-                            <a:latin typeface="Times New Roman" charset="0"/>
-                            <a:ea typeface="Times New Roman" charset="0"/>
-                            <a:cs typeface="Times New Roman" charset="0"/>
-                          </a:rPr>
-                        </m:ctrlPr>
-                      </m:sSubPr>
-                      <m:e>
-                        <m:r>
-                          <a:rPr lang="en-US" sz="4400" i="1">
-                            <a:latin typeface="Times New Roman" charset="0"/>
-                            <a:ea typeface="Times New Roman" charset="0"/>
-                            <a:cs typeface="Times New Roman" charset="0"/>
-                          </a:rPr>
-                          <m:t>𝜏</m:t>
-                        </m:r>
-                      </m:e>
-                      <m:sub>
-                        <m:r>
-                          <a:rPr lang="en-US" sz="4400" i="1">
-                            <a:latin typeface="Times New Roman" charset="0"/>
-                            <a:ea typeface="Times New Roman" charset="0"/>
-                            <a:cs typeface="Times New Roman" charset="0"/>
-                          </a:rPr>
-                          <m:t>𝑘</m:t>
-                        </m:r>
-                      </m:sub>
-                    </m:sSub>
-                  </m:oMath>
-                </a14:m>
-                <a:r>
-                  <a:rPr lang="en-US" sz="4400" dirty="0">
-                    <a:latin typeface="Times New Roman" charset="0"/>
-                    <a:ea typeface="Times New Roman" charset="0"/>
-                    <a:cs typeface="Times New Roman" charset="0"/>
-                  </a:rPr>
-                  <a:t> = ∞ for identification, </a:t>
-                </a:r>
-                <a14:m>
-                  <m:oMath xmlns:m="http://schemas.openxmlformats.org/officeDocument/2006/math">
-                    <m:r>
-                      <a:rPr lang="en-US" sz="4400" i="1">
-                        <a:latin typeface="Times New Roman" charset="0"/>
-                        <a:ea typeface="Times New Roman" charset="0"/>
-                        <a:cs typeface="Times New Roman" charset="0"/>
-                      </a:rPr>
-                      <m:t>𝑥</m:t>
-                    </m:r>
-                    <m:r>
-                      <a:rPr lang="en-US" sz="4400" i="1">
-                        <a:latin typeface="Times New Roman" charset="0"/>
-                        <a:ea typeface="Times New Roman" charset="0"/>
-                        <a:cs typeface="Times New Roman" charset="0"/>
-                      </a:rPr>
-                      <m:t> </m:t>
-                    </m:r>
-                  </m:oMath>
-                </a14:m>
-                <a:r>
-                  <a:rPr lang="en-US" sz="4400" dirty="0">
-                    <a:latin typeface="Times New Roman" charset="0"/>
-                    <a:ea typeface="Times New Roman" charset="0"/>
-                    <a:cs typeface="Times New Roman" charset="0"/>
-                  </a:rPr>
-                  <a:t>is a vector of our covariates of interest and controls, and β is a vector of coefficients</a:t>
-                </a:r>
-                <a:r>
-                  <a:rPr lang="en-US" sz="4400" dirty="0">
-                    <a:latin typeface="Times New Roman" charset="0"/>
-                    <a:ea typeface="Times New Roman" charset="0"/>
-                    <a:cs typeface="Times New Roman" charset="0"/>
-                  </a:rPr>
-                  <a:t>.</a:t>
-                </a:r>
               </a:p>
               <a:p>
                 <a:pPr algn="ctr">
@@ -7025,15 +6697,15 @@
             <p:spPr bwMode="auto">
               <a:xfrm>
                 <a:off x="11853640" y="5292725"/>
-                <a:ext cx="20048760" cy="6035675"/>
+                <a:ext cx="20455160" cy="3698875"/>
               </a:xfrm>
               <a:prstGeom prst="rect">
                 <a:avLst/>
               </a:prstGeom>
               <a:blipFill rotWithShape="0">
-                <a:blip r:embed="rId6"/>
+                <a:blip r:embed="rId5"/>
                 <a:stretch>
-                  <a:fillRect l="-729" t="-1109" b="-4637"/>
+                  <a:fillRect l="-715" t="-1806"/>
                 </a:stretch>
               </a:blipFill>
               <a:ln w="9525">
@@ -7062,7 +6734,37 @@
       </mc:AlternateContent>
       <p:pic>
         <p:nvPicPr>
-          <p:cNvPr id="5" name="Picture 4"/>
+          <p:cNvPr id="2" name="Picture 1"/>
+          <p:cNvPicPr>
+            <a:picLocks noChangeAspect="1"/>
+          </p:cNvPicPr>
+          <p:nvPr/>
+        </p:nvPicPr>
+        <p:blipFill>
+          <a:blip r:embed="rId6">
+            <a:extLst>
+              <a:ext uri="{28A0092B-C50C-407E-A947-70E740481C1C}">
+                <a14:useLocalDpi xmlns:a14="http://schemas.microsoft.com/office/drawing/2010/main" val="0"/>
+              </a:ext>
+            </a:extLst>
+          </a:blip>
+          <a:stretch>
+            <a:fillRect/>
+          </a:stretch>
+        </p:blipFill>
+        <p:spPr>
+          <a:xfrm>
+            <a:off x="13792198" y="8984342"/>
+            <a:ext cx="16154402" cy="11538859"/>
+          </a:xfrm>
+          <a:prstGeom prst="rect">
+            <a:avLst/>
+          </a:prstGeom>
+        </p:spPr>
+      </p:pic>
+      <p:pic>
+        <p:nvPicPr>
+          <p:cNvPr id="4" name="Picture 3"/>
           <p:cNvPicPr>
             <a:picLocks noChangeAspect="1"/>
           </p:cNvPicPr>
@@ -7082,14 +6784,191 @@
         </p:blipFill>
         <p:spPr>
           <a:xfrm>
-            <a:off x="13949140" y="11528670"/>
-            <a:ext cx="15464060" cy="11045757"/>
+            <a:off x="13792198" y="20001484"/>
+            <a:ext cx="16154402" cy="11538859"/>
           </a:xfrm>
           <a:prstGeom prst="rect">
             <a:avLst/>
           </a:prstGeom>
         </p:spPr>
       </p:pic>
+      <p:sp>
+        <p:nvSpPr>
+          <p:cNvPr id="15" name="Text Box 2"/>
+          <p:cNvSpPr txBox="1">
+            <a:spLocks noChangeArrowheads="1"/>
+          </p:cNvSpPr>
+          <p:nvPr/>
+        </p:nvSpPr>
+        <p:spPr bwMode="auto">
+          <a:xfrm>
+            <a:off x="1208314" y="30858170"/>
+            <a:ext cx="41521062" cy="769274"/>
+          </a:xfrm>
+          <a:prstGeom prst="rect">
+            <a:avLst/>
+          </a:prstGeom>
+          <a:solidFill>
+            <a:schemeClr val="bg1"/>
+          </a:solidFill>
+          <a:ln w="9525">
+            <a:solidFill>
+              <a:schemeClr val="tx1"/>
+            </a:solidFill>
+            <a:miter lim="800000"/>
+            <a:headEnd/>
+            <a:tailEnd/>
+          </a:ln>
+        </p:spPr>
+        <p:txBody>
+          <a:bodyPr wrap="square" lIns="182713" tIns="91357" rIns="182713" bIns="91357">
+            <a:spAutoFit/>
+          </a:bodyPr>
+          <a:lstStyle>
+            <a:lvl1pPr defTabSz="1828800">
+              <a:spcBef>
+                <a:spcPct val="20000"/>
+              </a:spcBef>
+              <a:buFont typeface="Arial" charset="0"/>
+              <a:buChar char="•"/>
+              <a:defRPr sz="15400">
+                <a:solidFill>
+                  <a:schemeClr val="tx1"/>
+                </a:solidFill>
+                <a:latin typeface="Calibri" charset="0"/>
+              </a:defRPr>
+            </a:lvl1pPr>
+            <a:lvl2pPr marL="742950" indent="-285750" defTabSz="1828800">
+              <a:spcBef>
+                <a:spcPct val="20000"/>
+              </a:spcBef>
+              <a:buFont typeface="Arial" charset="0"/>
+              <a:buChar char="–"/>
+              <a:defRPr sz="13400">
+                <a:solidFill>
+                  <a:schemeClr val="tx1"/>
+                </a:solidFill>
+                <a:latin typeface="Calibri" charset="0"/>
+              </a:defRPr>
+            </a:lvl2pPr>
+            <a:lvl3pPr marL="1143000" indent="-228600" defTabSz="1828800">
+              <a:spcBef>
+                <a:spcPct val="20000"/>
+              </a:spcBef>
+              <a:buFont typeface="Arial" charset="0"/>
+              <a:buChar char="•"/>
+              <a:defRPr sz="11500">
+                <a:solidFill>
+                  <a:schemeClr val="tx1"/>
+                </a:solidFill>
+                <a:latin typeface="Calibri" charset="0"/>
+              </a:defRPr>
+            </a:lvl3pPr>
+            <a:lvl4pPr marL="1600200" indent="-228600" defTabSz="1828800">
+              <a:spcBef>
+                <a:spcPct val="20000"/>
+              </a:spcBef>
+              <a:buFont typeface="Arial" charset="0"/>
+              <a:buChar char="–"/>
+              <a:defRPr sz="9600">
+                <a:solidFill>
+                  <a:schemeClr val="tx1"/>
+                </a:solidFill>
+                <a:latin typeface="Calibri" charset="0"/>
+              </a:defRPr>
+            </a:lvl4pPr>
+            <a:lvl5pPr marL="2057400" indent="-228600" defTabSz="1828800">
+              <a:spcBef>
+                <a:spcPct val="20000"/>
+              </a:spcBef>
+              <a:buFont typeface="Arial" charset="0"/>
+              <a:buChar char="»"/>
+              <a:defRPr sz="9600">
+                <a:solidFill>
+                  <a:schemeClr val="tx1"/>
+                </a:solidFill>
+                <a:latin typeface="Calibri" charset="0"/>
+              </a:defRPr>
+            </a:lvl5pPr>
+            <a:lvl6pPr marL="2514600" indent="-228600" defTabSz="1828800" eaLnBrk="0" fontAlgn="base" hangingPunct="0">
+              <a:spcBef>
+                <a:spcPct val="20000"/>
+              </a:spcBef>
+              <a:spcAft>
+                <a:spcPct val="0"/>
+              </a:spcAft>
+              <a:buFont typeface="Arial" charset="0"/>
+              <a:buChar char="»"/>
+              <a:defRPr sz="9600">
+                <a:solidFill>
+                  <a:schemeClr val="tx1"/>
+                </a:solidFill>
+                <a:latin typeface="Calibri" charset="0"/>
+              </a:defRPr>
+            </a:lvl6pPr>
+            <a:lvl7pPr marL="2971800" indent="-228600" defTabSz="1828800" eaLnBrk="0" fontAlgn="base" hangingPunct="0">
+              <a:spcBef>
+                <a:spcPct val="20000"/>
+              </a:spcBef>
+              <a:spcAft>
+                <a:spcPct val="0"/>
+              </a:spcAft>
+              <a:buFont typeface="Arial" charset="0"/>
+              <a:buChar char="»"/>
+              <a:defRPr sz="9600">
+                <a:solidFill>
+                  <a:schemeClr val="tx1"/>
+                </a:solidFill>
+                <a:latin typeface="Calibri" charset="0"/>
+              </a:defRPr>
+            </a:lvl7pPr>
+            <a:lvl8pPr marL="3429000" indent="-228600" defTabSz="1828800" eaLnBrk="0" fontAlgn="base" hangingPunct="0">
+              <a:spcBef>
+                <a:spcPct val="20000"/>
+              </a:spcBef>
+              <a:spcAft>
+                <a:spcPct val="0"/>
+              </a:spcAft>
+              <a:buFont typeface="Arial" charset="0"/>
+              <a:buChar char="»"/>
+              <a:defRPr sz="9600">
+                <a:solidFill>
+                  <a:schemeClr val="tx1"/>
+                </a:solidFill>
+                <a:latin typeface="Calibri" charset="0"/>
+              </a:defRPr>
+            </a:lvl8pPr>
+            <a:lvl9pPr marL="3886200" indent="-228600" defTabSz="1828800" eaLnBrk="0" fontAlgn="base" hangingPunct="0">
+              <a:spcBef>
+                <a:spcPct val="20000"/>
+              </a:spcBef>
+              <a:spcAft>
+                <a:spcPct val="0"/>
+              </a:spcAft>
+              <a:buFont typeface="Arial" charset="0"/>
+              <a:buChar char="»"/>
+              <a:defRPr sz="9600">
+                <a:solidFill>
+                  <a:schemeClr val="tx1"/>
+                </a:solidFill>
+                <a:latin typeface="Calibri" charset="0"/>
+              </a:defRPr>
+            </a:lvl9pPr>
+          </a:lstStyle>
+          <a:p>
+            <a:pPr algn="ctr" eaLnBrk="1" hangingPunct="1">
+              <a:spcBef>
+                <a:spcPct val="50000"/>
+              </a:spcBef>
+              <a:buFontTx/>
+              <a:buNone/>
+            </a:pPr>
+            <a:endParaRPr lang="en-US" altLang="en-US" sz="3800">
+              <a:latin typeface="Times New Roman" charset="0"/>
+            </a:endParaRPr>
+          </a:p>
+        </p:txBody>
+      </p:sp>
     </p:spTree>
   </p:cSld>
   <p:clrMapOvr>
